--- a/docs/LitReviewGroupMeetingPresentation.pptx
+++ b/docs/LitReviewGroupMeetingPresentation.pptx
@@ -3329,7 +3329,7 @@
         <p:spPr bwMode="auto">
           <a:xfrm flipH="0" flipV="0">
             <a:off x="1857261" y="113706"/>
-            <a:ext cx="5904063" cy="6702756"/>
+            <a:ext cx="5904062" cy="6702756"/>
           </a:xfrm>
           <a:prstGeom prst="rect">
             <a:avLst/>
@@ -3344,8 +3344,8 @@
         </p:nvSpPr>
         <p:spPr bwMode="auto">
           <a:xfrm flipH="0" flipV="0">
-            <a:off x="8600131" y="1529012"/>
-            <a:ext cx="2607994" cy="365795"/>
+            <a:off x="8600130" y="1529011"/>
+            <a:ext cx="2608245" cy="365795"/>
           </a:xfrm>
           <a:prstGeom prst="rect">
             <a:avLst/>
@@ -3362,7 +3362,7 @@
             </a:pPr>
             <a:r>
               <a:rPr/>
-              <a:t>Evangelou, Zhou 1987</a:t>
+              <a:t>Evangelou, Ziman 1987</a:t>
             </a:r>
             <a:endParaRPr/>
           </a:p>
@@ -4175,7 +4175,7 @@
         </p:nvSpPr>
         <p:spPr bwMode="auto">
           <a:xfrm flipH="0" flipV="0">
-            <a:off x="7577439" y="1774301"/>
+            <a:off x="7577439" y="1774300"/>
             <a:ext cx="194011" cy="365795"/>
           </a:xfrm>
         </p:spPr>
@@ -4222,7 +4222,7 @@
         </p:nvSpPr>
         <p:spPr bwMode="auto">
           <a:xfrm flipH="0" flipV="0">
-            <a:off x="233596" y="1774301"/>
+            <a:off x="233596" y="1774300"/>
             <a:ext cx="3218736" cy="365795"/>
           </a:xfrm>
           <a:prstGeom prst="rect">
